--- a/FinalTask_IDX Partners_DE_Bambang Satrio Gandhi.pptx
+++ b/FinalTask_IDX Partners_DE_Bambang Satrio Gandhi.pptx
@@ -5,7 +5,7 @@
     <p:sldMasterId id="2147483659" r:id="rId1"/>
   </p:sldMasterIdLst>
   <p:notesMasterIdLst>
-    <p:notesMasterId r:id="rId27"/>
+    <p:notesMasterId r:id="rId28"/>
   </p:notesMasterIdLst>
   <p:sldIdLst>
     <p:sldId id="256" r:id="rId2"/>
@@ -31,39 +31,40 @@
     <p:sldId id="283" r:id="rId22"/>
     <p:sldId id="284" r:id="rId23"/>
     <p:sldId id="285" r:id="rId24"/>
-    <p:sldId id="262" r:id="rId25"/>
-    <p:sldId id="263" r:id="rId26"/>
+    <p:sldId id="286" r:id="rId25"/>
+    <p:sldId id="262" r:id="rId26"/>
+    <p:sldId id="263" r:id="rId27"/>
   </p:sldIdLst>
   <p:sldSz cx="9144000" cy="5143500" type="screen16x9"/>
   <p:notesSz cx="6858000" cy="9144000"/>
   <p:embeddedFontLst>
     <p:embeddedFont>
       <p:font typeface="Rubik" panose="020B0604020202020204" charset="-79"/>
-      <p:regular r:id="rId28"/>
-      <p:bold r:id="rId29"/>
-      <p:italic r:id="rId30"/>
-      <p:boldItalic r:id="rId31"/>
+      <p:regular r:id="rId29"/>
+      <p:bold r:id="rId30"/>
+      <p:italic r:id="rId31"/>
+      <p:boldItalic r:id="rId32"/>
     </p:embeddedFont>
     <p:embeddedFont>
       <p:font typeface="Rubik Light" panose="020B0604020202020204" charset="-79"/>
-      <p:regular r:id="rId32"/>
-      <p:bold r:id="rId33"/>
-      <p:italic r:id="rId34"/>
-      <p:boldItalic r:id="rId35"/>
+      <p:regular r:id="rId33"/>
+      <p:bold r:id="rId34"/>
+      <p:italic r:id="rId35"/>
+      <p:boldItalic r:id="rId36"/>
     </p:embeddedFont>
     <p:embeddedFont>
       <p:font typeface="Rubik Medium" panose="020B0604020202020204" charset="-79"/>
-      <p:regular r:id="rId36"/>
-      <p:bold r:id="rId37"/>
-      <p:italic r:id="rId38"/>
-      <p:boldItalic r:id="rId39"/>
+      <p:regular r:id="rId37"/>
+      <p:bold r:id="rId38"/>
+      <p:italic r:id="rId39"/>
+      <p:boldItalic r:id="rId40"/>
     </p:embeddedFont>
     <p:embeddedFont>
       <p:font typeface="Rubik SemiBold" panose="020B0604020202020204" charset="-79"/>
-      <p:regular r:id="rId40"/>
-      <p:bold r:id="rId41"/>
-      <p:italic r:id="rId42"/>
-      <p:boldItalic r:id="rId43"/>
+      <p:regular r:id="rId41"/>
+      <p:bold r:id="rId42"/>
+      <p:italic r:id="rId43"/>
+      <p:boldItalic r:id="rId44"/>
     </p:embeddedFont>
   </p:embeddedFontLst>
   <p:defaultTextStyle>
@@ -2586,6 +2587,11 @@
         </p:txBody>
       </p:sp>
     </p:spTree>
+    <p:extLst>
+      <p:ext uri="{BB962C8B-B14F-4D97-AF65-F5344CB8AC3E}">
+        <p14:creationId xmlns:p14="http://schemas.microsoft.com/office/powerpoint/2010/main" val="3122113291"/>
+      </p:ext>
+    </p:extLst>
   </p:cSld>
   <p:clrMapOvr>
     <a:masterClrMapping/>
@@ -2594,6 +2600,110 @@
 </file>
 
 <file path=ppt/notesSlides/notesSlide25.xml><?xml version="1.0" encoding="utf-8"?>
+<p:notes xmlns:a="http://schemas.openxmlformats.org/drawingml/2006/main" xmlns:r="http://schemas.openxmlformats.org/officeDocument/2006/relationships" xmlns:p="http://schemas.openxmlformats.org/presentationml/2006/main" showMasterSp="0" showMasterPhAnim="0">
+  <p:cSld>
+    <p:spTree>
+      <p:nvGrpSpPr>
+        <p:cNvPr id="1" name="Shape 115"/>
+        <p:cNvGrpSpPr/>
+        <p:nvPr/>
+      </p:nvGrpSpPr>
+      <p:grpSpPr>
+        <a:xfrm>
+          <a:off x="0" y="0"/>
+          <a:ext cx="0" cy="0"/>
+          <a:chOff x="0" y="0"/>
+          <a:chExt cx="0" cy="0"/>
+        </a:xfrm>
+      </p:grpSpPr>
+      <p:sp>
+        <p:nvSpPr>
+          <p:cNvPr id="116" name="Google Shape;116;g2200da5092a_0_42:notes"/>
+          <p:cNvSpPr>
+            <a:spLocks noGrp="1" noRot="1" noChangeAspect="1"/>
+          </p:cNvSpPr>
+          <p:nvPr>
+            <p:ph type="sldImg" idx="2"/>
+          </p:nvPr>
+        </p:nvSpPr>
+        <p:spPr>
+          <a:xfrm>
+            <a:off x="381000" y="685800"/>
+            <a:ext cx="6096000" cy="3429000"/>
+          </a:xfrm>
+          <a:custGeom>
+            <a:avLst/>
+            <a:gdLst/>
+            <a:ahLst/>
+            <a:cxnLst/>
+            <a:rect l="l" t="t" r="r" b="b"/>
+            <a:pathLst>
+              <a:path w="120000" h="120000" extrusionOk="0">
+                <a:moveTo>
+                  <a:pt x="0" y="0"/>
+                </a:moveTo>
+                <a:lnTo>
+                  <a:pt x="120000" y="0"/>
+                </a:lnTo>
+                <a:lnTo>
+                  <a:pt x="120000" y="120000"/>
+                </a:lnTo>
+                <a:lnTo>
+                  <a:pt x="0" y="120000"/>
+                </a:lnTo>
+                <a:close/>
+              </a:path>
+            </a:pathLst>
+          </a:custGeom>
+        </p:spPr>
+      </p:sp>
+      <p:sp>
+        <p:nvSpPr>
+          <p:cNvPr id="117" name="Google Shape;117;g2200da5092a_0_42:notes"/>
+          <p:cNvSpPr txBox="1">
+            <a:spLocks noGrp="1"/>
+          </p:cNvSpPr>
+          <p:nvPr>
+            <p:ph type="body" idx="1"/>
+          </p:nvPr>
+        </p:nvSpPr>
+        <p:spPr>
+          <a:xfrm>
+            <a:off x="685800" y="4343400"/>
+            <a:ext cx="5486400" cy="4114800"/>
+          </a:xfrm>
+          <a:prstGeom prst="rect">
+            <a:avLst/>
+          </a:prstGeom>
+        </p:spPr>
+        <p:txBody>
+          <a:bodyPr spcFirstLastPara="1" wrap="square" lIns="91425" tIns="91425" rIns="91425" bIns="91425" anchor="t" anchorCtr="0">
+            <a:noAutofit/>
+          </a:bodyPr>
+          <a:lstStyle/>
+          <a:p>
+            <a:pPr marL="0" lvl="0" indent="0" algn="l" rtl="0">
+              <a:spcBef>
+                <a:spcPts val="0"/>
+              </a:spcBef>
+              <a:spcAft>
+                <a:spcPts val="0"/>
+              </a:spcAft>
+              <a:buNone/>
+            </a:pPr>
+            <a:endParaRPr/>
+          </a:p>
+        </p:txBody>
+      </p:sp>
+    </p:spTree>
+  </p:cSld>
+  <p:clrMapOvr>
+    <a:masterClrMapping/>
+  </p:clrMapOvr>
+</p:notes>
+</file>
+
+<file path=ppt/notesSlides/notesSlide26.xml><?xml version="1.0" encoding="utf-8"?>
 <p:notes xmlns:a="http://schemas.openxmlformats.org/drawingml/2006/main" xmlns:r="http://schemas.openxmlformats.org/officeDocument/2006/relationships" xmlns:p="http://schemas.openxmlformats.org/presentationml/2006/main" showMasterSp="0" showMasterPhAnim="0">
   <p:cSld>
     <p:spTree>
@@ -17872,7 +17982,7 @@
         <p:spPr>
           <a:xfrm>
             <a:off x="340500" y="1899838"/>
-            <a:ext cx="8463000" cy="954300"/>
+            <a:ext cx="8463000" cy="954077"/>
           </a:xfrm>
           <a:prstGeom prst="rect">
             <a:avLst/>
@@ -17905,15 +18015,21 @@
               <a:buNone/>
             </a:pPr>
             <a:r>
-              <a:rPr lang="en" sz="5000" b="1">
-                <a:latin typeface="Rubik"/>
-                <a:ea typeface="Rubik"/>
-                <a:cs typeface="Rubik"/>
-                <a:sym typeface="Rubik"/>
-              </a:rPr>
-              <a:t>Video Presentation Here</a:t>
-            </a:r>
-            <a:endParaRPr sz="5000" b="1">
+              <a:rPr lang="en-ID" sz="5000" b="1" dirty="0">
+                <a:solidFill>
+                  <a:schemeClr val="tx1"/>
+                </a:solidFill>
+                <a:latin typeface="Rubik"/>
+                <a:ea typeface="Rubik"/>
+                <a:cs typeface="Rubik"/>
+                <a:sym typeface="Rubik"/>
+              </a:rPr>
+              <a:t>Link File GITHUB</a:t>
+            </a:r>
+            <a:endParaRPr sz="5000" b="1" dirty="0">
+              <a:solidFill>
+                <a:schemeClr val="tx1"/>
+              </a:solidFill>
               <a:latin typeface="Rubik"/>
               <a:ea typeface="Rubik"/>
               <a:cs typeface="Rubik"/>
@@ -17984,15 +18100,219 @@
               <a:buNone/>
             </a:pPr>
             <a:r>
-              <a:rPr lang="en">
-                <a:latin typeface="Rubik"/>
-                <a:ea typeface="Rubik"/>
-                <a:cs typeface="Rubik"/>
-                <a:sym typeface="Rubik"/>
-              </a:rPr>
-              <a:t>Please insert your link video here (You can upload the video on YouTube or Google Drive first)!</a:t>
-            </a:r>
-            <a:endParaRPr>
+              <a:rPr lang="en-ID" sz="1400" b="1" dirty="0">
+                <a:solidFill>
+                  <a:schemeClr val="tx1"/>
+                </a:solidFill>
+                <a:latin typeface="Rubik"/>
+                <a:ea typeface="Rubik"/>
+                <a:cs typeface="Rubik"/>
+                <a:sym typeface="Rubik"/>
+                <a:hlinkClick r:id="rId5"/>
+              </a:rPr>
+              <a:t>https://github.com/dandisatrio/vip_finaltask_IDX_DataEngineer</a:t>
+            </a:r>
+            <a:endParaRPr lang="en-ID" sz="1400" b="1" dirty="0">
+              <a:solidFill>
+                <a:schemeClr val="tx1"/>
+              </a:solidFill>
+              <a:latin typeface="Rubik"/>
+              <a:ea typeface="Rubik"/>
+              <a:cs typeface="Rubik"/>
+              <a:sym typeface="Rubik"/>
+            </a:endParaRPr>
+          </a:p>
+        </p:txBody>
+      </p:sp>
+    </p:spTree>
+    <p:extLst>
+      <p:ext uri="{BB962C8B-B14F-4D97-AF65-F5344CB8AC3E}">
+        <p14:creationId xmlns:p14="http://schemas.microsoft.com/office/powerpoint/2010/main" val="2645906492"/>
+      </p:ext>
+    </p:extLst>
+  </p:cSld>
+  <p:clrMapOvr>
+    <a:masterClrMapping/>
+  </p:clrMapOvr>
+</p:sld>
+</file>
+
+<file path=ppt/slides/slide25.xml><?xml version="1.0" encoding="utf-8"?>
+<p:sld xmlns:a="http://schemas.openxmlformats.org/drawingml/2006/main" xmlns:r="http://schemas.openxmlformats.org/officeDocument/2006/relationships" xmlns:p="http://schemas.openxmlformats.org/presentationml/2006/main">
+  <p:cSld>
+    <p:spTree>
+      <p:nvGrpSpPr>
+        <p:cNvPr id="1" name="Shape 118"/>
+        <p:cNvGrpSpPr/>
+        <p:nvPr/>
+      </p:nvGrpSpPr>
+      <p:grpSpPr>
+        <a:xfrm>
+          <a:off x="0" y="0"/>
+          <a:ext cx="0" cy="0"/>
+          <a:chOff x="0" y="0"/>
+          <a:chExt cx="0" cy="0"/>
+        </a:xfrm>
+      </p:grpSpPr>
+      <p:pic>
+        <p:nvPicPr>
+          <p:cNvPr id="119" name="Google Shape;119;p19"/>
+          <p:cNvPicPr preferRelativeResize="0"/>
+          <p:nvPr/>
+        </p:nvPicPr>
+        <p:blipFill>
+          <a:blip r:embed="rId3">
+            <a:alphaModFix amt="5000"/>
+          </a:blip>
+          <a:stretch>
+            <a:fillRect/>
+          </a:stretch>
+        </p:blipFill>
+        <p:spPr>
+          <a:xfrm>
+            <a:off x="0" y="-5316"/>
+            <a:ext cx="9144001" cy="5143501"/>
+          </a:xfrm>
+          <a:prstGeom prst="rect">
+            <a:avLst/>
+          </a:prstGeom>
+          <a:noFill/>
+          <a:ln>
+            <a:noFill/>
+          </a:ln>
+        </p:spPr>
+      </p:pic>
+      <p:sp>
+        <p:nvSpPr>
+          <p:cNvPr id="120" name="Google Shape;120;p19"/>
+          <p:cNvSpPr txBox="1"/>
+          <p:nvPr/>
+        </p:nvSpPr>
+        <p:spPr>
+          <a:xfrm>
+            <a:off x="340500" y="1899838"/>
+            <a:ext cx="8463000" cy="954300"/>
+          </a:xfrm>
+          <a:prstGeom prst="rect">
+            <a:avLst/>
+          </a:prstGeom>
+          <a:noFill/>
+          <a:ln>
+            <a:noFill/>
+          </a:ln>
+          <a:effectLst>
+            <a:outerShdw blurRad="57150" dist="19050" dir="2820000" algn="bl" rotWithShape="0">
+              <a:srgbClr val="B7B7B7">
+                <a:alpha val="86000"/>
+              </a:srgbClr>
+            </a:outerShdw>
+          </a:effectLst>
+        </p:spPr>
+        <p:txBody>
+          <a:bodyPr spcFirstLastPara="1" wrap="square" lIns="91425" tIns="91425" rIns="91425" bIns="91425" anchor="t" anchorCtr="0">
+            <a:spAutoFit/>
+          </a:bodyPr>
+          <a:lstStyle/>
+          <a:p>
+            <a:pPr marL="0" lvl="0" indent="0" algn="ctr" rtl="0">
+              <a:spcBef>
+                <a:spcPts val="0"/>
+              </a:spcBef>
+              <a:spcAft>
+                <a:spcPts val="0"/>
+              </a:spcAft>
+              <a:buNone/>
+            </a:pPr>
+            <a:r>
+              <a:rPr lang="en" sz="5000" b="1">
+                <a:latin typeface="Rubik"/>
+                <a:ea typeface="Rubik"/>
+                <a:cs typeface="Rubik"/>
+                <a:sym typeface="Rubik"/>
+              </a:rPr>
+              <a:t>Video Presentation</a:t>
+            </a:r>
+            <a:endParaRPr sz="5000" b="1" dirty="0">
+              <a:latin typeface="Rubik"/>
+              <a:ea typeface="Rubik"/>
+              <a:cs typeface="Rubik"/>
+              <a:sym typeface="Rubik"/>
+            </a:endParaRPr>
+          </a:p>
+        </p:txBody>
+      </p:sp>
+      <p:pic>
+        <p:nvPicPr>
+          <p:cNvPr id="121" name="Google Shape;121;p19"/>
+          <p:cNvPicPr preferRelativeResize="0"/>
+          <p:nvPr/>
+        </p:nvPicPr>
+        <p:blipFill rotWithShape="1">
+          <a:blip r:embed="rId4">
+            <a:alphaModFix/>
+          </a:blip>
+          <a:srcRect t="5658" b="5649"/>
+          <a:stretch/>
+        </p:blipFill>
+        <p:spPr>
+          <a:xfrm>
+            <a:off x="7317600" y="185625"/>
+            <a:ext cx="1399902" cy="541300"/>
+          </a:xfrm>
+          <a:prstGeom prst="rect">
+            <a:avLst/>
+          </a:prstGeom>
+          <a:noFill/>
+          <a:ln>
+            <a:noFill/>
+          </a:ln>
+        </p:spPr>
+      </p:pic>
+      <p:sp>
+        <p:nvSpPr>
+          <p:cNvPr id="122" name="Google Shape;122;p19"/>
+          <p:cNvSpPr txBox="1"/>
+          <p:nvPr/>
+        </p:nvSpPr>
+        <p:spPr>
+          <a:xfrm>
+            <a:off x="340500" y="2843463"/>
+            <a:ext cx="8376900" cy="400200"/>
+          </a:xfrm>
+          <a:prstGeom prst="rect">
+            <a:avLst/>
+          </a:prstGeom>
+          <a:noFill/>
+          <a:ln>
+            <a:noFill/>
+          </a:ln>
+        </p:spPr>
+        <p:txBody>
+          <a:bodyPr spcFirstLastPara="1" wrap="square" lIns="91425" tIns="91425" rIns="91425" bIns="91425" anchor="t" anchorCtr="0">
+            <a:spAutoFit/>
+          </a:bodyPr>
+          <a:lstStyle/>
+          <a:p>
+            <a:pPr marL="0" lvl="0" indent="0" algn="ctr" rtl="0">
+              <a:spcBef>
+                <a:spcPts val="0"/>
+              </a:spcBef>
+              <a:spcAft>
+                <a:spcPts val="0"/>
+              </a:spcAft>
+              <a:buNone/>
+            </a:pPr>
+            <a:r>
+              <a:rPr lang="en-ID" dirty="0">
+                <a:latin typeface="Rubik"/>
+                <a:ea typeface="Rubik"/>
+                <a:cs typeface="Rubik"/>
+                <a:sym typeface="Rubik"/>
+                <a:hlinkClick r:id="rId5"/>
+              </a:rPr>
+              <a:t>https://youtu.be/1UeF79mLL_s</a:t>
+            </a:r>
+            <a:endParaRPr dirty="0">
               <a:latin typeface="Rubik"/>
               <a:ea typeface="Rubik"/>
               <a:cs typeface="Rubik"/>
@@ -18009,7 +18329,7 @@
 </p:sld>
 </file>
 
-<file path=ppt/slides/slide25.xml><?xml version="1.0" encoding="utf-8"?>
+<file path=ppt/slides/slide26.xml><?xml version="1.0" encoding="utf-8"?>
 <p:sld xmlns:a="http://schemas.openxmlformats.org/drawingml/2006/main" xmlns:r="http://schemas.openxmlformats.org/officeDocument/2006/relationships" xmlns:p="http://schemas.openxmlformats.org/presentationml/2006/main">
   <p:cSld>
     <p:bg>
